--- a/doc/readme.pptx
+++ b/doc/readme.pptx
@@ -208,7 +208,7 @@
           <a:p>
             <a:fld id="{F5E5C635-D469-4B82-83D7-B05DB03091FC}" type="datetimeFigureOut">
               <a:rPr kumimoji="1" lang="ja-JP" altLang="en-US" smtClean="0"/>
-              <a:t>2025/6/22</a:t>
+              <a:t>2025/6/24</a:t>
             </a:fld>
             <a:endParaRPr kumimoji="1" lang="ja-JP" altLang="en-US"/>
           </a:p>
@@ -828,7 +828,7 @@
           <a:p>
             <a:fld id="{6248D7C2-B13B-46CD-8C2F-DECFAC959968}" type="datetime1">
               <a:rPr kumimoji="1" lang="ja-JP" altLang="en-US" smtClean="0"/>
-              <a:t>2025/6/22</a:t>
+              <a:t>2025/6/24</a:t>
             </a:fld>
             <a:endParaRPr kumimoji="1" lang="ja-JP" altLang="en-US" dirty="0"/>
           </a:p>
@@ -1276,7 +1276,7 @@
           <a:p>
             <a:fld id="{3A575AA6-9EA0-4100-ADF9-807F26079BC0}" type="datetime1">
               <a:rPr kumimoji="1" lang="ja-JP" altLang="en-US" smtClean="0"/>
-              <a:t>2025/6/22</a:t>
+              <a:t>2025/6/24</a:t>
             </a:fld>
             <a:endParaRPr kumimoji="1" lang="ja-JP" altLang="en-US"/>
           </a:p>
@@ -1567,7 +1567,7 @@
           <a:p>
             <a:fld id="{EC2FBCBF-ED8E-4C1D-A4FC-826AB1AF2E99}" type="datetime1">
               <a:rPr kumimoji="1" lang="ja-JP" altLang="en-US" smtClean="0"/>
-              <a:t>2025/6/22</a:t>
+              <a:t>2025/6/24</a:t>
             </a:fld>
             <a:endParaRPr kumimoji="1" lang="ja-JP" altLang="en-US"/>
           </a:p>
@@ -1797,7 +1797,7 @@
           <a:p>
             <a:fld id="{28A59544-6540-4676-A1C3-47EA9BB2F1A8}" type="datetime1">
               <a:rPr kumimoji="1" lang="ja-JP" altLang="en-US" smtClean="0"/>
-              <a:t>2025/6/22</a:t>
+              <a:t>2025/6/24</a:t>
             </a:fld>
             <a:endParaRPr kumimoji="1" lang="ja-JP" altLang="en-US"/>
           </a:p>
@@ -2139,7 +2139,7 @@
           <a:p>
             <a:fld id="{F1C1DA00-1117-489E-B72D-C89F5CED04F1}" type="datetime1">
               <a:rPr kumimoji="1" lang="ja-JP" altLang="en-US" smtClean="0"/>
-              <a:t>2025/6/22</a:t>
+              <a:t>2025/6/24</a:t>
             </a:fld>
             <a:endParaRPr kumimoji="1" lang="ja-JP" altLang="en-US"/>
           </a:p>
@@ -3017,7 +3017,7 @@
           <a:p>
             <a:fld id="{503E5440-18AA-44F3-A469-E992A6371A5F}" type="datetime1">
               <a:rPr kumimoji="1" lang="ja-JP" altLang="en-US" smtClean="0"/>
-              <a:t>2025/6/22</a:t>
+              <a:t>2025/6/24</a:t>
             </a:fld>
             <a:endParaRPr kumimoji="1" lang="ja-JP" altLang="en-US"/>
           </a:p>
@@ -4312,7 +4312,7 @@
           <a:p>
             <a:fld id="{715834BA-7504-448D-825E-28566BD883C4}" type="datetime1">
               <a:rPr kumimoji="1" lang="ja-JP" altLang="en-US" smtClean="0"/>
-              <a:t>2025/6/22</a:t>
+              <a:t>2025/6/24</a:t>
             </a:fld>
             <a:endParaRPr kumimoji="1" lang="ja-JP" altLang="en-US" dirty="0"/>
           </a:p>
@@ -5891,14 +5891,14 @@
             <p:ph idx="1"/>
             <p:extLst>
               <p:ext uri="{D42A27DB-BD31-4B8C-83A1-F6EECF244321}">
-                <p14:modId xmlns:p14="http://schemas.microsoft.com/office/powerpoint/2010/main" val="3858912708"/>
+                <p14:modId xmlns:p14="http://schemas.microsoft.com/office/powerpoint/2010/main" val="3719539378"/>
               </p:ext>
             </p:extLst>
           </p:nvPr>
         </p:nvGraphicFramePr>
         <p:xfrm>
           <a:off x="212037" y="1084527"/>
-          <a:ext cx="11687175" cy="3662680"/>
+          <a:ext cx="11687175" cy="5308600"/>
         </p:xfrm>
         <a:graphic>
           <a:graphicData uri="http://schemas.openxmlformats.org/drawingml/2006/table">
@@ -6624,6 +6624,187 @@
                         </a:rPr>
                         <a:t>場合があります。</a:t>
                       </a:r>
+                      <a:endParaRPr lang="en-US" altLang="ja-JP" sz="1800" b="0" i="0" u="none" strike="noStrike" dirty="0">
+                        <a:solidFill>
+                          <a:srgbClr val="000000"/>
+                        </a:solidFill>
+                        <a:effectLst/>
+                        <a:latin typeface="メイリオ" panose="020B0604030504040204" pitchFamily="50" charset="-128"/>
+                        <a:ea typeface="メイリオ" panose="020B0604030504040204" pitchFamily="50" charset="-128"/>
+                      </a:endParaRPr>
+                    </a:p>
+                    <a:p>
+                      <a:pPr marL="0" marR="0" lvl="0" indent="0" algn="l" defTabSz="914400" rtl="0" eaLnBrk="1" fontAlgn="t" latinLnBrk="0" hangingPunct="1">
+                        <a:lnSpc>
+                          <a:spcPct val="100000"/>
+                        </a:lnSpc>
+                        <a:spcBef>
+                          <a:spcPts val="0"/>
+                        </a:spcBef>
+                        <a:spcAft>
+                          <a:spcPts val="0"/>
+                        </a:spcAft>
+                        <a:buClrTx/>
+                        <a:buSzTx/>
+                        <a:buFontTx/>
+                        <a:buNone/>
+                        <a:tabLst/>
+                        <a:defRPr/>
+                      </a:pPr>
+                      <a:r>
+                        <a:rPr lang="en-US" altLang="ja-JP" sz="1800" b="0" i="0" u="none" strike="noStrike" dirty="0">
+                          <a:solidFill>
+                            <a:srgbClr val="000000"/>
+                          </a:solidFill>
+                          <a:effectLst/>
+                          <a:latin typeface="メイリオ" panose="020B0604030504040204" pitchFamily="50" charset="-128"/>
+                          <a:ea typeface="メイリオ" panose="020B0604030504040204" pitchFamily="50" charset="-128"/>
+                        </a:rPr>
+                        <a:t>※</a:t>
+                      </a:r>
+                      <a:r>
+                        <a:rPr lang="ja-JP" altLang="en-US" sz="1800" b="0" i="0" u="none" strike="noStrike" dirty="0">
+                          <a:solidFill>
+                            <a:srgbClr val="000000"/>
+                          </a:solidFill>
+                          <a:effectLst/>
+                          <a:latin typeface="メイリオ" panose="020B0604030504040204" pitchFamily="50" charset="-128"/>
+                          <a:ea typeface="メイリオ" panose="020B0604030504040204" pitchFamily="50" charset="-128"/>
+                        </a:rPr>
+                        <a:t>しおりをつけるには</a:t>
+                      </a:r>
+                      <a:r>
+                        <a:rPr kumimoji="1" lang="en-US" altLang="ja-JP" sz="1800" b="1" i="0" kern="1200" dirty="0">
+                          <a:solidFill>
+                            <a:schemeClr val="dk1"/>
+                          </a:solidFill>
+                          <a:effectLst/>
+                          <a:latin typeface="+mn-lt"/>
+                          <a:ea typeface="+mn-ea"/>
+                          <a:cs typeface="+mn-cs"/>
+                        </a:rPr>
+                        <a:t>Presentation.ExportAsFixedFormat3</a:t>
+                      </a:r>
+                    </a:p>
+                    <a:p>
+                      <a:pPr algn="l" fontAlgn="t"/>
+                      <a:r>
+                        <a:rPr lang="ja-JP" altLang="en-US" sz="1800" b="0" i="0" u="none" strike="noStrike" dirty="0">
+                          <a:solidFill>
+                            <a:srgbClr val="000000"/>
+                          </a:solidFill>
+                          <a:effectLst/>
+                          <a:latin typeface="メイリオ" panose="020B0604030504040204" pitchFamily="50" charset="-128"/>
+                          <a:ea typeface="メイリオ" panose="020B0604030504040204" pitchFamily="50" charset="-128"/>
+                        </a:rPr>
+                        <a:t>を使う必要がありますが、これは要件として</a:t>
+                      </a:r>
+                      <a:endParaRPr lang="en-US" altLang="ja-JP" sz="1800" b="0" i="0" u="none" strike="noStrike" dirty="0">
+                        <a:solidFill>
+                          <a:srgbClr val="000000"/>
+                        </a:solidFill>
+                        <a:effectLst/>
+                        <a:latin typeface="メイリオ" panose="020B0604030504040204" pitchFamily="50" charset="-128"/>
+                        <a:ea typeface="メイリオ" panose="020B0604030504040204" pitchFamily="50" charset="-128"/>
+                      </a:endParaRPr>
+                    </a:p>
+                    <a:p>
+                      <a:pPr algn="l" fontAlgn="t"/>
+                      <a:r>
+                        <a:rPr kumimoji="1" lang="en-US" altLang="ja-JP" sz="1800" b="0" i="0" kern="1200" dirty="0">
+                          <a:solidFill>
+                            <a:schemeClr val="dk1"/>
+                          </a:solidFill>
+                          <a:effectLst/>
+                          <a:latin typeface="+mn-lt"/>
+                          <a:ea typeface="+mn-ea"/>
+                          <a:cs typeface="+mn-cs"/>
+                        </a:rPr>
+                        <a:t>Microsoft 365 </a:t>
+                      </a:r>
+                      <a:r>
+                        <a:rPr kumimoji="1" lang="ja-JP" altLang="en-US" sz="1800" b="0" i="0" kern="1200" dirty="0">
+                          <a:solidFill>
+                            <a:schemeClr val="dk1"/>
+                          </a:solidFill>
+                          <a:effectLst/>
+                          <a:latin typeface="+mn-lt"/>
+                          <a:ea typeface="+mn-ea"/>
+                          <a:cs typeface="+mn-cs"/>
+                        </a:rPr>
+                        <a:t>バージョン </a:t>
+                      </a:r>
+                      <a:r>
+                        <a:rPr kumimoji="1" lang="en-US" altLang="ja-JP" sz="1800" b="0" i="0" kern="1200" dirty="0">
+                          <a:solidFill>
+                            <a:schemeClr val="dk1"/>
+                          </a:solidFill>
+                          <a:effectLst/>
+                          <a:latin typeface="+mn-lt"/>
+                          <a:ea typeface="+mn-ea"/>
+                          <a:cs typeface="+mn-cs"/>
+                        </a:rPr>
+                        <a:t>2408 (</a:t>
+                      </a:r>
+                      <a:r>
+                        <a:rPr kumimoji="1" lang="ja-JP" altLang="en-US" sz="1800" b="0" i="0" kern="1200" dirty="0">
+                          <a:solidFill>
+                            <a:schemeClr val="dk1"/>
+                          </a:solidFill>
+                          <a:effectLst/>
+                          <a:latin typeface="+mn-lt"/>
+                          <a:ea typeface="+mn-ea"/>
+                          <a:cs typeface="+mn-cs"/>
+                        </a:rPr>
+                        <a:t>ビルド </a:t>
+                      </a:r>
+                      <a:r>
+                        <a:rPr kumimoji="1" lang="en-US" altLang="ja-JP" sz="1800" b="0" i="0" kern="1200" dirty="0">
+                          <a:solidFill>
+                            <a:schemeClr val="dk1"/>
+                          </a:solidFill>
+                          <a:effectLst/>
+                          <a:latin typeface="+mn-lt"/>
+                          <a:ea typeface="+mn-ea"/>
+                          <a:cs typeface="+mn-cs"/>
+                        </a:rPr>
+                        <a:t>17928.xxxxx)</a:t>
+                      </a:r>
+                    </a:p>
+                    <a:p>
+                      <a:pPr algn="l" fontAlgn="t"/>
+                      <a:r>
+                        <a:rPr kumimoji="1" lang="ja-JP" altLang="en-US" sz="1800" b="0" i="0" u="none" strike="noStrike" kern="1200" dirty="0">
+                          <a:solidFill>
+                            <a:schemeClr val="dk1"/>
+                          </a:solidFill>
+                          <a:effectLst/>
+                          <a:latin typeface="+mn-lt"/>
+                          <a:ea typeface="+mn-ea"/>
+                          <a:cs typeface="+mn-cs"/>
+                        </a:rPr>
+                        <a:t>以上である必要が</a:t>
+                      </a:r>
+                      <a:r>
+                        <a:rPr kumimoji="1" lang="ja-JP" altLang="en-US" sz="1800" b="0" i="0" u="none" strike="noStrike" kern="1200">
+                          <a:solidFill>
+                            <a:schemeClr val="dk1"/>
+                          </a:solidFill>
+                          <a:effectLst/>
+                          <a:latin typeface="+mn-lt"/>
+                          <a:ea typeface="+mn-ea"/>
+                          <a:cs typeface="+mn-cs"/>
+                        </a:rPr>
+                        <a:t>あり、それ以前のバージョンではエラーになります。使わないでください。</a:t>
+                      </a:r>
+                      <a:endParaRPr lang="ja-JP" altLang="en-US" sz="1800" b="0" i="0" u="none" strike="noStrike" dirty="0">
+                        <a:solidFill>
+                          <a:srgbClr val="000000"/>
+                        </a:solidFill>
+                        <a:effectLst/>
+                        <a:latin typeface="メイリオ" panose="020B0604030504040204" pitchFamily="50" charset="-128"/>
+                        <a:ea typeface="メイリオ" panose="020B0604030504040204" pitchFamily="50" charset="-128"/>
+                      </a:endParaRPr>
                     </a:p>
                   </a:txBody>
                   <a:tcPr marL="0" marR="0" marT="0" marB="0"/>

--- a/doc/readme.pptx
+++ b/doc/readme.pptx
@@ -5,7 +5,7 @@
     <p:sldMasterId id="2147483702" r:id="rId1"/>
   </p:sldMasterIdLst>
   <p:notesMasterIdLst>
-    <p:notesMasterId r:id="rId14"/>
+    <p:notesMasterId r:id="rId15"/>
   </p:notesMasterIdLst>
   <p:sldIdLst>
     <p:sldId id="256" r:id="rId2"/>
@@ -18,8 +18,9 @@
     <p:sldId id="302" r:id="rId9"/>
     <p:sldId id="296" r:id="rId10"/>
     <p:sldId id="297" r:id="rId11"/>
-    <p:sldId id="298" r:id="rId12"/>
-    <p:sldId id="303" r:id="rId13"/>
+    <p:sldId id="304" r:id="rId12"/>
+    <p:sldId id="305" r:id="rId13"/>
+    <p:sldId id="303" r:id="rId14"/>
   </p:sldIdLst>
   <p:sldSz cx="12192000" cy="6858000"/>
   <p:notesSz cx="6858000" cy="9144000"/>
@@ -208,7 +209,7 @@
           <a:p>
             <a:fld id="{F5E5C635-D469-4B82-83D7-B05DB03091FC}" type="datetimeFigureOut">
               <a:rPr kumimoji="1" lang="ja-JP" altLang="en-US" smtClean="0"/>
-              <a:t>2025/6/24</a:t>
+              <a:t>2025/7/6</a:t>
             </a:fld>
             <a:endParaRPr kumimoji="1" lang="ja-JP" altLang="en-US"/>
           </a:p>
@@ -828,7 +829,7 @@
           <a:p>
             <a:fld id="{6248D7C2-B13B-46CD-8C2F-DECFAC959968}" type="datetime1">
               <a:rPr kumimoji="1" lang="ja-JP" altLang="en-US" smtClean="0"/>
-              <a:t>2025/6/24</a:t>
+              <a:t>2025/7/6</a:t>
             </a:fld>
             <a:endParaRPr kumimoji="1" lang="ja-JP" altLang="en-US" dirty="0"/>
           </a:p>
@@ -1276,7 +1277,7 @@
           <a:p>
             <a:fld id="{3A575AA6-9EA0-4100-ADF9-807F26079BC0}" type="datetime1">
               <a:rPr kumimoji="1" lang="ja-JP" altLang="en-US" smtClean="0"/>
-              <a:t>2025/6/24</a:t>
+              <a:t>2025/7/6</a:t>
             </a:fld>
             <a:endParaRPr kumimoji="1" lang="ja-JP" altLang="en-US"/>
           </a:p>
@@ -1567,7 +1568,7 @@
           <a:p>
             <a:fld id="{EC2FBCBF-ED8E-4C1D-A4FC-826AB1AF2E99}" type="datetime1">
               <a:rPr kumimoji="1" lang="ja-JP" altLang="en-US" smtClean="0"/>
-              <a:t>2025/6/24</a:t>
+              <a:t>2025/7/6</a:t>
             </a:fld>
             <a:endParaRPr kumimoji="1" lang="ja-JP" altLang="en-US"/>
           </a:p>
@@ -1797,7 +1798,7 @@
           <a:p>
             <a:fld id="{28A59544-6540-4676-A1C3-47EA9BB2F1A8}" type="datetime1">
               <a:rPr kumimoji="1" lang="ja-JP" altLang="en-US" smtClean="0"/>
-              <a:t>2025/6/24</a:t>
+              <a:t>2025/7/6</a:t>
             </a:fld>
             <a:endParaRPr kumimoji="1" lang="ja-JP" altLang="en-US"/>
           </a:p>
@@ -2139,7 +2140,7 @@
           <a:p>
             <a:fld id="{F1C1DA00-1117-489E-B72D-C89F5CED04F1}" type="datetime1">
               <a:rPr kumimoji="1" lang="ja-JP" altLang="en-US" smtClean="0"/>
-              <a:t>2025/6/24</a:t>
+              <a:t>2025/7/6</a:t>
             </a:fld>
             <a:endParaRPr kumimoji="1" lang="ja-JP" altLang="en-US"/>
           </a:p>
@@ -3017,7 +3018,7 @@
           <a:p>
             <a:fld id="{503E5440-18AA-44F3-A469-E992A6371A5F}" type="datetime1">
               <a:rPr kumimoji="1" lang="ja-JP" altLang="en-US" smtClean="0"/>
-              <a:t>2025/6/24</a:t>
+              <a:t>2025/7/6</a:t>
             </a:fld>
             <a:endParaRPr kumimoji="1" lang="ja-JP" altLang="en-US"/>
           </a:p>
@@ -4312,7 +4313,7 @@
           <a:p>
             <a:fld id="{715834BA-7504-448D-825E-28566BD883C4}" type="datetime1">
               <a:rPr kumimoji="1" lang="ja-JP" altLang="en-US" smtClean="0"/>
-              <a:t>2025/6/24</a:t>
+              <a:t>2025/7/6</a:t>
             </a:fld>
             <a:endParaRPr kumimoji="1" lang="ja-JP" altLang="en-US" dirty="0"/>
           </a:p>
@@ -5278,7 +5279,7 @@
         <p:spPr/>
         <p:txBody>
           <a:bodyPr>
-            <a:normAutofit fontScale="90000"/>
+            <a:normAutofit/>
           </a:bodyPr>
           <a:lstStyle/>
           <a:p>
@@ -5287,7 +5288,7 @@
                 <a:latin typeface="Calibri" panose="020F0502020204030204" pitchFamily="34" charset="0"/>
                 <a:cs typeface="游ゴシック" panose="020B0400000000000000" pitchFamily="50" charset="-128"/>
               </a:rPr>
-              <a:t>「繰り返しボタン押しツール」上に増やしたシート名を並べる</a:t>
+              <a:t>「定期自動実行」で連続実行</a:t>
             </a:r>
             <a:endParaRPr kumimoji="1" lang="ja-JP" altLang="en-US" dirty="0"/>
           </a:p>
@@ -5348,7 +5349,7 @@
                 <a:latin typeface="Calibri" panose="020F0502020204030204" pitchFamily="34" charset="0"/>
                 <a:cs typeface="游ゴシック" panose="020B0400000000000000" pitchFamily="50" charset="-128"/>
               </a:rPr>
-              <a:t>繰り返しボタン押しツール」でシートの連続実行ができます。</a:t>
+              <a:t>「定期自動実行」で連続実行ができます。</a:t>
             </a:r>
             <a:endParaRPr kumimoji="1" lang="ja-JP" altLang="en-US" dirty="0"/>
           </a:p>
@@ -5372,8 +5373,8 @@
         </p:nvSpPr>
         <p:spPr>
           <a:xfrm>
-            <a:off x="291548" y="1084527"/>
-            <a:ext cx="7537360" cy="5210253"/>
+            <a:off x="291547" y="1084528"/>
+            <a:ext cx="9284843" cy="1800440"/>
           </a:xfrm>
         </p:spPr>
         <p:txBody>
@@ -5385,18 +5386,10 @@
               <a:buChar char="l"/>
             </a:pPr>
             <a:r>
-              <a:rPr lang="ja-JP" altLang="en-US" dirty="0"/>
-              <a:t>連続実施する</a:t>
-            </a:r>
-            <a:r>
-              <a:rPr lang="en-US" altLang="ja-JP" dirty="0"/>
-              <a:t>Excel</a:t>
-            </a:r>
-            <a:r>
-              <a:rPr lang="ja-JP" altLang="en-US" dirty="0"/>
-              <a:t>シート名を指定してください。</a:t>
-            </a:r>
-            <a:endParaRPr lang="en-US" altLang="ja-JP" dirty="0"/>
+              <a:rPr kumimoji="1" lang="ja-JP" altLang="en-US" dirty="0"/>
+              <a:t>サーバを置けない会社でも実行可能です。</a:t>
+            </a:r>
+            <a:endParaRPr kumimoji="1" lang="en-US" altLang="ja-JP" dirty="0"/>
           </a:p>
           <a:p>
             <a:pPr>
@@ -5405,25 +5398,40 @@
             </a:pPr>
             <a:r>
               <a:rPr kumimoji="1" lang="ja-JP" altLang="en-US" dirty="0"/>
-              <a:t>指定されなかった</a:t>
-            </a:r>
-            <a:r>
-              <a:rPr kumimoji="1" lang="en-US" altLang="ja-JP" dirty="0"/>
-              <a:t>Excel</a:t>
-            </a:r>
-            <a:r>
-              <a:rPr kumimoji="1" lang="ja-JP" altLang="en-US" dirty="0"/>
-              <a:t>シートはボタンが押されません。</a:t>
-            </a:r>
+              <a:t>「定期自動実行の開始」ボタンを押すことで連続実行ができます。</a:t>
+            </a:r>
+            <a:endParaRPr kumimoji="1" lang="en-US" altLang="ja-JP" dirty="0"/>
+          </a:p>
+          <a:p>
+            <a:pPr>
+              <a:buFont typeface="Wingdings" panose="05000000000000000000" pitchFamily="2" charset="2"/>
+              <a:buChar char="l"/>
+            </a:pPr>
+            <a:r>
+              <a:rPr lang="ja-JP" altLang="en-US" dirty="0"/>
+              <a:t>定期実行を止める場合は「定時自動実行の停止」ボタンでできます。</a:t>
+            </a:r>
+            <a:endParaRPr kumimoji="1" lang="en-US" altLang="ja-JP" dirty="0"/>
+          </a:p>
+          <a:p>
+            <a:pPr>
+              <a:buFont typeface="Wingdings" panose="05000000000000000000" pitchFamily="2" charset="2"/>
+              <a:buChar char="l"/>
+            </a:pPr>
+            <a:r>
+              <a:rPr lang="ja-JP" altLang="en-US" dirty="0"/>
+              <a:t>コマンドの実行もできます。</a:t>
+            </a:r>
+            <a:endParaRPr lang="en-US" altLang="ja-JP" dirty="0"/>
           </a:p>
         </p:txBody>
       </p:sp>
       <p:pic>
         <p:nvPicPr>
-          <p:cNvPr id="7" name="図 6">
-            <a:extLst>
-              <a:ext uri="{FF2B5EF4-FFF2-40B4-BE49-F238E27FC236}">
-                <a16:creationId xmlns:a16="http://schemas.microsoft.com/office/drawing/2014/main" id="{9658020B-3D8F-DBFE-7376-B9630C108EF1}"/>
+          <p:cNvPr id="11" name="図 10">
+            <a:extLst>
+              <a:ext uri="{FF2B5EF4-FFF2-40B4-BE49-F238E27FC236}">
+                <a16:creationId xmlns:a16="http://schemas.microsoft.com/office/drawing/2014/main" id="{0C0DA31E-7FF8-37FB-FB76-53565A05A5EF}"/>
               </a:ext>
             </a:extLst>
           </p:cNvPr>
@@ -5434,14 +5442,15 @@
         </p:nvPicPr>
         <p:blipFill>
           <a:blip r:embed="rId2"/>
+          <a:srcRect l="3047" t="18324" r="48239" b="38689"/>
           <a:stretch>
             <a:fillRect/>
           </a:stretch>
         </p:blipFill>
         <p:spPr>
           <a:xfrm>
-            <a:off x="8168032" y="1181401"/>
-            <a:ext cx="3811931" cy="5113379"/>
+            <a:off x="395701" y="3244741"/>
+            <a:ext cx="5939246" cy="2797981"/>
           </a:xfrm>
           <a:prstGeom prst="rect">
             <a:avLst/>
@@ -5467,8 +5476,8 @@
         </p:nvSpPr>
         <p:spPr>
           <a:xfrm>
-            <a:off x="8955237" y="2976321"/>
-            <a:ext cx="2444284" cy="3318459"/>
+            <a:off x="395701" y="3243836"/>
+            <a:ext cx="1752076" cy="370328"/>
           </a:xfrm>
           <a:prstGeom prst="rect">
             <a:avLst/>
@@ -5526,7 +5535,7 @@
         <p:cNvPr id="1" name="">
           <a:extLst>
             <a:ext uri="{FF2B5EF4-FFF2-40B4-BE49-F238E27FC236}">
-              <a16:creationId xmlns:a16="http://schemas.microsoft.com/office/drawing/2014/main" id="{9863B818-9682-C545-3648-EECB29B1CF7D}"/>
+              <a16:creationId xmlns:a16="http://schemas.microsoft.com/office/drawing/2014/main" id="{1709E45B-A748-6686-9295-AFB4543757D0}"/>
             </a:ext>
           </a:extLst>
         </p:cNvPr>
@@ -5546,7 +5555,7 @@
           <p:cNvPr id="2" name="タイトル 1">
             <a:extLst>
               <a:ext uri="{FF2B5EF4-FFF2-40B4-BE49-F238E27FC236}">
-                <a16:creationId xmlns:a16="http://schemas.microsoft.com/office/drawing/2014/main" id="{87BDF45A-E5BD-4C27-55DF-D4BB07C211DB}"/>
+                <a16:creationId xmlns:a16="http://schemas.microsoft.com/office/drawing/2014/main" id="{A7A8D0B0-D55A-383B-6982-D29F8E6E8965}"/>
               </a:ext>
             </a:extLst>
           </p:cNvPr>
@@ -5569,7 +5578,7 @@
                 <a:latin typeface="Calibri" panose="020F0502020204030204" pitchFamily="34" charset="0"/>
                 <a:cs typeface="游ゴシック" panose="020B0400000000000000" pitchFamily="50" charset="-128"/>
               </a:rPr>
-              <a:t>ボタンを押す</a:t>
+              <a:t>「定期自動実行」で連続実行</a:t>
             </a:r>
             <a:endParaRPr kumimoji="1" lang="ja-JP" altLang="en-US" dirty="0"/>
           </a:p>
@@ -5580,7 +5589,7 @@
           <p:cNvPr id="3" name="スライド番号プレースホルダー 2">
             <a:extLst>
               <a:ext uri="{FF2B5EF4-FFF2-40B4-BE49-F238E27FC236}">
-                <a16:creationId xmlns:a16="http://schemas.microsoft.com/office/drawing/2014/main" id="{1ACF74CA-5AB8-7D61-B796-0B2455B94D6C}"/>
+                <a16:creationId xmlns:a16="http://schemas.microsoft.com/office/drawing/2014/main" id="{C794E31C-1F88-CC0A-3349-706CCAD68959}"/>
               </a:ext>
             </a:extLst>
           </p:cNvPr>
@@ -5606,43 +5615,10 @@
       </p:sp>
       <p:sp>
         <p:nvSpPr>
-          <p:cNvPr id="4" name="コンテンツ プレースホルダー 3">
-            <a:extLst>
-              <a:ext uri="{FF2B5EF4-FFF2-40B4-BE49-F238E27FC236}">
-                <a16:creationId xmlns:a16="http://schemas.microsoft.com/office/drawing/2014/main" id="{31AD56B1-FD6B-C3B2-B26C-D6E78B6C1967}"/>
-              </a:ext>
-            </a:extLst>
-          </p:cNvPr>
-          <p:cNvSpPr>
-            <a:spLocks noGrp="1"/>
-          </p:cNvSpPr>
-          <p:nvPr>
-            <p:ph idx="1"/>
-          </p:nvPr>
-        </p:nvSpPr>
-        <p:spPr>
-          <a:xfrm>
-            <a:off x="291548" y="1084527"/>
-            <a:ext cx="7537360" cy="5210253"/>
-          </a:xfrm>
-        </p:spPr>
-        <p:txBody>
-          <a:bodyPr/>
-          <a:lstStyle/>
-          <a:p>
-            <a:r>
-              <a:rPr kumimoji="1" lang="ja-JP" altLang="en-US" dirty="0"/>
-              <a:t>・ボタンを押すと記載されたシート名の処理が実施されます。</a:t>
-            </a:r>
-          </a:p>
-        </p:txBody>
-      </p:sp>
-      <p:sp>
-        <p:nvSpPr>
           <p:cNvPr id="5" name="コンテンツ プレースホルダー 4">
             <a:extLst>
               <a:ext uri="{FF2B5EF4-FFF2-40B4-BE49-F238E27FC236}">
-                <a16:creationId xmlns:a16="http://schemas.microsoft.com/office/drawing/2014/main" id="{37998199-A9DB-7521-3B9C-3AAAF359366F}"/>
+                <a16:creationId xmlns:a16="http://schemas.microsoft.com/office/drawing/2014/main" id="{AD958D73-9AAF-19D5-8BE9-FD976469CA84}"/>
               </a:ext>
             </a:extLst>
           </p:cNvPr>
@@ -5658,23 +5634,25 @@
           <a:bodyPr/>
           <a:lstStyle/>
           <a:p>
-            <a:r>
-              <a:rPr lang="ja-JP" altLang="en-US" dirty="0">
+            <a:pPr marL="0" indent="0">
+              <a:buNone/>
+            </a:pPr>
+            <a:r>
+              <a:rPr kumimoji="1" lang="ja-JP" altLang="en-US" dirty="0">
                 <a:latin typeface="Calibri" panose="020F0502020204030204" pitchFamily="34" charset="0"/>
-                <a:cs typeface="游ゴシック" panose="020B0400000000000000" pitchFamily="50" charset="-128"/>
               </a:rPr>
-              <a:t>繰り返しボタン押しツール」でシートの連続実行ができます。</a:t>
-            </a:r>
-            <a:endParaRPr lang="ja-JP" altLang="en-US" dirty="0"/>
+              <a:t>基本設定は次の通りです。</a:t>
+            </a:r>
+            <a:endParaRPr kumimoji="1" lang="ja-JP" altLang="en-US" dirty="0"/>
           </a:p>
         </p:txBody>
       </p:sp>
       <p:pic>
         <p:nvPicPr>
-          <p:cNvPr id="7" name="図 6">
-            <a:extLst>
-              <a:ext uri="{FF2B5EF4-FFF2-40B4-BE49-F238E27FC236}">
-                <a16:creationId xmlns:a16="http://schemas.microsoft.com/office/drawing/2014/main" id="{E727B1DD-9BA2-DDAD-E1CA-07FFA7DDD6B8}"/>
+          <p:cNvPr id="11" name="図 10">
+            <a:extLst>
+              <a:ext uri="{FF2B5EF4-FFF2-40B4-BE49-F238E27FC236}">
+                <a16:creationId xmlns:a16="http://schemas.microsoft.com/office/drawing/2014/main" id="{50BEBEEA-7C86-2DF1-4AA9-783BD3C72ABE}"/>
               </a:ext>
             </a:extLst>
           </p:cNvPr>
@@ -5685,14 +5663,15 @@
         </p:nvPicPr>
         <p:blipFill>
           <a:blip r:embed="rId2"/>
+          <a:srcRect l="3047" t="23334" r="48239" b="38689"/>
           <a:stretch>
             <a:fillRect/>
           </a:stretch>
         </p:blipFill>
         <p:spPr>
           <a:xfrm>
-            <a:off x="8168032" y="1181401"/>
-            <a:ext cx="3811931" cy="5113379"/>
+            <a:off x="291546" y="1084527"/>
+            <a:ext cx="5939246" cy="2471922"/>
           </a:xfrm>
           <a:prstGeom prst="rect">
             <a:avLst/>
@@ -5704,62 +5683,485 @@
           </a:ln>
         </p:spPr>
       </p:pic>
-      <p:sp>
-        <p:nvSpPr>
-          <p:cNvPr id="8" name="正方形/長方形 7">
-            <a:extLst>
-              <a:ext uri="{FF2B5EF4-FFF2-40B4-BE49-F238E27FC236}">
-                <a16:creationId xmlns:a16="http://schemas.microsoft.com/office/drawing/2014/main" id="{DFF92888-F285-2188-8B35-3C88F00068C8}"/>
-              </a:ext>
-            </a:extLst>
-          </p:cNvPr>
-          <p:cNvSpPr/>
-          <p:nvPr/>
-        </p:nvSpPr>
-        <p:spPr>
-          <a:xfrm>
-            <a:off x="8955237" y="2029097"/>
-            <a:ext cx="2444284" cy="653143"/>
-          </a:xfrm>
-          <a:prstGeom prst="rect">
-            <a:avLst/>
-          </a:prstGeom>
-          <a:noFill/>
-          <a:ln w="38100">
-            <a:solidFill>
-              <a:srgbClr val="FF0000"/>
-            </a:solidFill>
-          </a:ln>
-        </p:spPr>
-        <p:style>
-          <a:lnRef idx="2">
-            <a:schemeClr val="accent1">
-              <a:shade val="15000"/>
-            </a:schemeClr>
-          </a:lnRef>
-          <a:fillRef idx="1">
-            <a:schemeClr val="accent1"/>
-          </a:fillRef>
-          <a:effectRef idx="0">
-            <a:schemeClr val="accent1"/>
-          </a:effectRef>
-          <a:fontRef idx="minor">
-            <a:schemeClr val="lt1"/>
-          </a:fontRef>
-        </p:style>
-        <p:txBody>
-          <a:bodyPr rtlCol="0" anchor="ctr"/>
-          <a:lstStyle/>
-          <a:p>
-            <a:pPr algn="ctr"/>
-            <a:endParaRPr kumimoji="1" lang="ja-JP" altLang="en-US"/>
-          </a:p>
-        </p:txBody>
-      </p:sp>
+      <p:graphicFrame>
+        <p:nvGraphicFramePr>
+          <p:cNvPr id="9" name="コンテンツ プレースホルダー 7">
+            <a:extLst>
+              <a:ext uri="{FF2B5EF4-FFF2-40B4-BE49-F238E27FC236}">
+                <a16:creationId xmlns:a16="http://schemas.microsoft.com/office/drawing/2014/main" id="{1971A63F-95BF-660F-A887-30E759A33347}"/>
+              </a:ext>
+            </a:extLst>
+          </p:cNvPr>
+          <p:cNvGraphicFramePr>
+            <a:graphicFrameLocks noGrp="1"/>
+          </p:cNvGraphicFramePr>
+          <p:nvPr>
+            <p:ph idx="1"/>
+            <p:extLst>
+              <p:ext uri="{D42A27DB-BD31-4B8C-83A1-F6EECF244321}">
+                <p14:modId xmlns:p14="http://schemas.microsoft.com/office/powerpoint/2010/main" val="2677017727"/>
+              </p:ext>
+            </p:extLst>
+          </p:nvPr>
+        </p:nvGraphicFramePr>
+        <p:xfrm>
+          <a:off x="291546" y="3627938"/>
+          <a:ext cx="11727551" cy="2590800"/>
+        </p:xfrm>
+        <a:graphic>
+          <a:graphicData uri="http://schemas.openxmlformats.org/drawingml/2006/table">
+            <a:tbl>
+              <a:tblPr firstRow="1" bandRow="1">
+                <a:tableStyleId>{5C22544A-7EE6-4342-B048-85BDC9FD1C3A}</a:tableStyleId>
+              </a:tblPr>
+              <a:tblGrid>
+                <a:gridCol w="2187177">
+                  <a:extLst>
+                    <a:ext uri="{9D8B030D-6E8A-4147-A177-3AD203B41FA5}">
+                      <a16:colId xmlns:a16="http://schemas.microsoft.com/office/drawing/2014/main" val="1059863929"/>
+                    </a:ext>
+                  </a:extLst>
+                </a:gridCol>
+                <a:gridCol w="9540374">
+                  <a:extLst>
+                    <a:ext uri="{9D8B030D-6E8A-4147-A177-3AD203B41FA5}">
+                      <a16:colId xmlns:a16="http://schemas.microsoft.com/office/drawing/2014/main" val="4002278881"/>
+                    </a:ext>
+                  </a:extLst>
+                </a:gridCol>
+              </a:tblGrid>
+              <a:tr h="258543">
+                <a:tc>
+                  <a:txBody>
+                    <a:bodyPr/>
+                    <a:lstStyle/>
+                    <a:p>
+                      <a:r>
+                        <a:rPr kumimoji="1" lang="ja-JP" altLang="en-US" dirty="0"/>
+                        <a:t>名称</a:t>
+                      </a:r>
+                    </a:p>
+                  </a:txBody>
+                  <a:tcPr/>
+                </a:tc>
+                <a:tc>
+                  <a:txBody>
+                    <a:bodyPr/>
+                    <a:lstStyle/>
+                    <a:p>
+                      <a:r>
+                        <a:rPr kumimoji="1" lang="ja-JP" altLang="en-US" dirty="0"/>
+                        <a:t>意味</a:t>
+                      </a:r>
+                    </a:p>
+                  </a:txBody>
+                  <a:tcPr/>
+                </a:tc>
+                <a:extLst>
+                  <a:ext uri="{0D108BD9-81ED-4DB2-BD59-A6C34878D82A}">
+                    <a16:rowId xmlns:a16="http://schemas.microsoft.com/office/drawing/2014/main" val="2272573206"/>
+                  </a:ext>
+                </a:extLst>
+              </a:tr>
+              <a:tr h="370840">
+                <a:tc>
+                  <a:txBody>
+                    <a:bodyPr/>
+                    <a:lstStyle/>
+                    <a:p>
+                      <a:r>
+                        <a:rPr kumimoji="1" lang="ja-JP" altLang="en-US" dirty="0"/>
+                        <a:t>設定時刻</a:t>
+                      </a:r>
+                    </a:p>
+                  </a:txBody>
+                  <a:tcPr/>
+                </a:tc>
+                <a:tc>
+                  <a:txBody>
+                    <a:bodyPr/>
+                    <a:lstStyle/>
+                    <a:p>
+                      <a:r>
+                        <a:rPr kumimoji="1" lang="ja-JP" altLang="en-US" dirty="0"/>
+                        <a:t>起動する時刻を入れます。</a:t>
+                      </a:r>
+                      <a:endParaRPr kumimoji="1" lang="en-US" altLang="ja-JP" dirty="0"/>
+                    </a:p>
+                  </a:txBody>
+                  <a:tcPr/>
+                </a:tc>
+                <a:extLst>
+                  <a:ext uri="{0D108BD9-81ED-4DB2-BD59-A6C34878D82A}">
+                    <a16:rowId xmlns:a16="http://schemas.microsoft.com/office/drawing/2014/main" val="3055385170"/>
+                  </a:ext>
+                </a:extLst>
+              </a:tr>
+              <a:tr h="370840">
+                <a:tc>
+                  <a:txBody>
+                    <a:bodyPr/>
+                    <a:lstStyle/>
+                    <a:p>
+                      <a:r>
+                        <a:rPr kumimoji="1" lang="ja-JP" altLang="en-US" dirty="0"/>
+                        <a:t>実施間隔</a:t>
+                      </a:r>
+                      <a:r>
+                        <a:rPr kumimoji="1" lang="en-US" altLang="ja-JP" dirty="0"/>
+                        <a:t>(</a:t>
+                      </a:r>
+                      <a:r>
+                        <a:rPr kumimoji="1" lang="ja-JP" altLang="en-US" dirty="0"/>
+                        <a:t>日</a:t>
+                      </a:r>
+                      <a:r>
+                        <a:rPr kumimoji="1" lang="en-US" altLang="ja-JP" dirty="0"/>
+                        <a:t>)</a:t>
+                      </a:r>
+                    </a:p>
+                  </a:txBody>
+                  <a:tcPr/>
+                </a:tc>
+                <a:tc>
+                  <a:txBody>
+                    <a:bodyPr/>
+                    <a:lstStyle/>
+                    <a:p>
+                      <a:pPr marL="0" marR="0" lvl="0" indent="0" algn="l" defTabSz="914400" rtl="0" eaLnBrk="1" fontAlgn="auto" latinLnBrk="0" hangingPunct="1">
+                        <a:lnSpc>
+                          <a:spcPct val="100000"/>
+                        </a:lnSpc>
+                        <a:spcBef>
+                          <a:spcPts val="0"/>
+                        </a:spcBef>
+                        <a:spcAft>
+                          <a:spcPts val="0"/>
+                        </a:spcAft>
+                        <a:buClrTx/>
+                        <a:buSzTx/>
+                        <a:buFontTx/>
+                        <a:buNone/>
+                        <a:tabLst/>
+                        <a:defRPr/>
+                      </a:pPr>
+                      <a:r>
+                        <a:rPr kumimoji="1" lang="en-US" altLang="ja-JP" dirty="0"/>
+                        <a:t>1</a:t>
+                      </a:r>
+                      <a:r>
+                        <a:rPr kumimoji="1" lang="ja-JP" altLang="en-US" dirty="0"/>
+                        <a:t>日単位で実行します。起動する時刻は現在日＋設定時刻の時：分：秒です。</a:t>
+                      </a:r>
+                      <a:r>
+                        <a:rPr kumimoji="1" lang="en-US" altLang="ja-JP" dirty="0"/>
+                        <a:t>0</a:t>
+                      </a:r>
+                      <a:r>
+                        <a:rPr kumimoji="1" lang="ja-JP" altLang="en-US" dirty="0"/>
+                        <a:t>なら無視します。</a:t>
+                      </a:r>
+                    </a:p>
+                  </a:txBody>
+                  <a:tcPr/>
+                </a:tc>
+                <a:extLst>
+                  <a:ext uri="{0D108BD9-81ED-4DB2-BD59-A6C34878D82A}">
+                    <a16:rowId xmlns:a16="http://schemas.microsoft.com/office/drawing/2014/main" val="1143375728"/>
+                  </a:ext>
+                </a:extLst>
+              </a:tr>
+              <a:tr h="370840">
+                <a:tc>
+                  <a:txBody>
+                    <a:bodyPr/>
+                    <a:lstStyle/>
+                    <a:p>
+                      <a:r>
+                        <a:rPr kumimoji="1" lang="ja-JP" altLang="en-US" dirty="0"/>
+                        <a:t>実施間隔</a:t>
+                      </a:r>
+                      <a:r>
+                        <a:rPr kumimoji="1" lang="en-US" altLang="ja-JP" dirty="0"/>
+                        <a:t>(</a:t>
+                      </a:r>
+                      <a:r>
+                        <a:rPr kumimoji="1" lang="ja-JP" altLang="en-US" dirty="0"/>
+                        <a:t>時</a:t>
+                      </a:r>
+                      <a:r>
+                        <a:rPr kumimoji="1" lang="en-US" altLang="ja-JP" dirty="0"/>
+                        <a:t>)</a:t>
+                      </a:r>
+                    </a:p>
+                  </a:txBody>
+                  <a:tcPr/>
+                </a:tc>
+                <a:tc>
+                  <a:txBody>
+                    <a:bodyPr/>
+                    <a:lstStyle/>
+                    <a:p>
+                      <a:pPr marL="0" marR="0" lvl="0" indent="0" algn="l" defTabSz="914400" rtl="0" eaLnBrk="1" fontAlgn="auto" latinLnBrk="0" hangingPunct="1">
+                        <a:lnSpc>
+                          <a:spcPct val="100000"/>
+                        </a:lnSpc>
+                        <a:spcBef>
+                          <a:spcPts val="0"/>
+                        </a:spcBef>
+                        <a:spcAft>
+                          <a:spcPts val="0"/>
+                        </a:spcAft>
+                        <a:buClrTx/>
+                        <a:buSzTx/>
+                        <a:buFontTx/>
+                        <a:buNone/>
+                        <a:tabLst/>
+                        <a:defRPr/>
+                      </a:pPr>
+                      <a:r>
+                        <a:rPr kumimoji="1" lang="en-US" altLang="ja-JP" dirty="0"/>
+                        <a:t>1</a:t>
+                      </a:r>
+                      <a:r>
+                        <a:rPr kumimoji="1" lang="ja-JP" altLang="en-US" dirty="0"/>
+                        <a:t>時単位で実行します。起動する時刻は現在時＋設定時刻の分：秒です。</a:t>
+                      </a:r>
+                      <a:r>
+                        <a:rPr kumimoji="1" lang="en-US" altLang="ja-JP" dirty="0"/>
+                        <a:t>0</a:t>
+                      </a:r>
+                      <a:r>
+                        <a:rPr kumimoji="1" lang="ja-JP" altLang="en-US" dirty="0"/>
+                        <a:t>なら無視します。</a:t>
+                      </a:r>
+                    </a:p>
+                  </a:txBody>
+                  <a:tcPr/>
+                </a:tc>
+                <a:extLst>
+                  <a:ext uri="{0D108BD9-81ED-4DB2-BD59-A6C34878D82A}">
+                    <a16:rowId xmlns:a16="http://schemas.microsoft.com/office/drawing/2014/main" val="1251889547"/>
+                  </a:ext>
+                </a:extLst>
+              </a:tr>
+              <a:tr h="370840">
+                <a:tc>
+                  <a:txBody>
+                    <a:bodyPr/>
+                    <a:lstStyle/>
+                    <a:p>
+                      <a:r>
+                        <a:rPr kumimoji="1" lang="ja-JP" altLang="en-US" dirty="0"/>
+                        <a:t>実施間隔</a:t>
+                      </a:r>
+                      <a:r>
+                        <a:rPr kumimoji="1" lang="en-US" altLang="ja-JP" dirty="0"/>
+                        <a:t>(</a:t>
+                      </a:r>
+                      <a:r>
+                        <a:rPr kumimoji="1" lang="ja-JP" altLang="en-US" dirty="0"/>
+                        <a:t>分</a:t>
+                      </a:r>
+                      <a:r>
+                        <a:rPr kumimoji="1" lang="en-US" altLang="ja-JP" dirty="0"/>
+                        <a:t>)</a:t>
+                      </a:r>
+                    </a:p>
+                  </a:txBody>
+                  <a:tcPr/>
+                </a:tc>
+                <a:tc>
+                  <a:txBody>
+                    <a:bodyPr/>
+                    <a:lstStyle/>
+                    <a:p>
+                      <a:pPr marL="0" marR="0" lvl="0" indent="0" algn="l" defTabSz="914400" rtl="0" eaLnBrk="1" fontAlgn="auto" latinLnBrk="0" hangingPunct="1">
+                        <a:lnSpc>
+                          <a:spcPct val="100000"/>
+                        </a:lnSpc>
+                        <a:spcBef>
+                          <a:spcPts val="0"/>
+                        </a:spcBef>
+                        <a:spcAft>
+                          <a:spcPts val="0"/>
+                        </a:spcAft>
+                        <a:buClrTx/>
+                        <a:buSzTx/>
+                        <a:buFontTx/>
+                        <a:buNone/>
+                        <a:tabLst/>
+                        <a:defRPr/>
+                      </a:pPr>
+                      <a:r>
+                        <a:rPr kumimoji="1" lang="en-US" altLang="ja-JP" dirty="0"/>
+                        <a:t>1</a:t>
+                      </a:r>
+                      <a:r>
+                        <a:rPr kumimoji="1" lang="ja-JP" altLang="en-US" dirty="0"/>
+                        <a:t>分単位で実行します。起動する時刻は現在分＋設定時刻の秒です。</a:t>
+                      </a:r>
+                      <a:r>
+                        <a:rPr kumimoji="1" lang="en-US" altLang="ja-JP" dirty="0"/>
+                        <a:t>0</a:t>
+                      </a:r>
+                      <a:r>
+                        <a:rPr kumimoji="1" lang="ja-JP" altLang="en-US" dirty="0"/>
+                        <a:t>なら無視します。</a:t>
+                      </a:r>
+                    </a:p>
+                  </a:txBody>
+                  <a:tcPr/>
+                </a:tc>
+                <a:extLst>
+                  <a:ext uri="{0D108BD9-81ED-4DB2-BD59-A6C34878D82A}">
+                    <a16:rowId xmlns:a16="http://schemas.microsoft.com/office/drawing/2014/main" val="1695977120"/>
+                  </a:ext>
+                </a:extLst>
+              </a:tr>
+              <a:tr h="370840">
+                <a:tc>
+                  <a:txBody>
+                    <a:bodyPr/>
+                    <a:lstStyle/>
+                    <a:p>
+                      <a:r>
+                        <a:rPr kumimoji="1" lang="ja-JP" altLang="en-US" dirty="0"/>
+                        <a:t>一度だけ実行</a:t>
+                      </a:r>
+                      <a:endParaRPr kumimoji="1" lang="en-US" altLang="ja-JP" dirty="0"/>
+                    </a:p>
+                  </a:txBody>
+                  <a:tcPr/>
+                </a:tc>
+                <a:tc>
+                  <a:txBody>
+                    <a:bodyPr/>
+                    <a:lstStyle/>
+                    <a:p>
+                      <a:pPr marL="0" marR="0" lvl="0" indent="0" algn="l" defTabSz="914400" rtl="0" eaLnBrk="1" fontAlgn="auto" latinLnBrk="0" hangingPunct="1">
+                        <a:lnSpc>
+                          <a:spcPct val="100000"/>
+                        </a:lnSpc>
+                        <a:spcBef>
+                          <a:spcPts val="0"/>
+                        </a:spcBef>
+                        <a:spcAft>
+                          <a:spcPts val="0"/>
+                        </a:spcAft>
+                        <a:buClrTx/>
+                        <a:buSzTx/>
+                        <a:buFontTx/>
+                        <a:buNone/>
+                        <a:tabLst/>
+                        <a:defRPr/>
+                      </a:pPr>
+                      <a:r>
+                        <a:rPr kumimoji="1" lang="en-US" altLang="ja-JP" dirty="0"/>
+                        <a:t>True</a:t>
+                      </a:r>
+                      <a:r>
+                        <a:rPr kumimoji="1" lang="ja-JP" altLang="en-US" dirty="0"/>
+                        <a:t>にすると一度だけ実行します。</a:t>
+                      </a:r>
+                      <a:r>
+                        <a:rPr kumimoji="1" lang="en-US" altLang="ja-JP" dirty="0"/>
+                        <a:t>False</a:t>
+                      </a:r>
+                      <a:r>
+                        <a:rPr kumimoji="1" lang="ja-JP" altLang="en-US" dirty="0"/>
+                        <a:t>にすると定期で実行します。</a:t>
+                      </a:r>
+                    </a:p>
+                  </a:txBody>
+                  <a:tcPr/>
+                </a:tc>
+                <a:extLst>
+                  <a:ext uri="{0D108BD9-81ED-4DB2-BD59-A6C34878D82A}">
+                    <a16:rowId xmlns:a16="http://schemas.microsoft.com/office/drawing/2014/main" val="1881093052"/>
+                  </a:ext>
+                </a:extLst>
+              </a:tr>
+              <a:tr h="370840">
+                <a:tc>
+                  <a:txBody>
+                    <a:bodyPr/>
+                    <a:lstStyle/>
+                    <a:p>
+                      <a:pPr marL="0" marR="0" lvl="0" indent="0" algn="l" defTabSz="914400" rtl="0" eaLnBrk="1" fontAlgn="auto" latinLnBrk="0" hangingPunct="1">
+                        <a:lnSpc>
+                          <a:spcPct val="100000"/>
+                        </a:lnSpc>
+                        <a:spcBef>
+                          <a:spcPts val="0"/>
+                        </a:spcBef>
+                        <a:spcAft>
+                          <a:spcPts val="0"/>
+                        </a:spcAft>
+                        <a:buClrTx/>
+                        <a:buSzTx/>
+                        <a:buFontTx/>
+                        <a:buNone/>
+                        <a:tabLst/>
+                        <a:defRPr/>
+                      </a:pPr>
+                      <a:r>
+                        <a:rPr kumimoji="1" lang="ja-JP" altLang="en-US" dirty="0"/>
+                        <a:t>一度だけメッセージ</a:t>
+                      </a:r>
+                      <a:endParaRPr kumimoji="1" lang="en-US" altLang="ja-JP" dirty="0"/>
+                    </a:p>
+                  </a:txBody>
+                  <a:tcPr/>
+                </a:tc>
+                <a:tc>
+                  <a:txBody>
+                    <a:bodyPr/>
+                    <a:lstStyle/>
+                    <a:p>
+                      <a:pPr marL="0" marR="0" lvl="0" indent="0" algn="l" defTabSz="914400" rtl="0" eaLnBrk="1" fontAlgn="auto" latinLnBrk="0" hangingPunct="1">
+                        <a:lnSpc>
+                          <a:spcPct val="100000"/>
+                        </a:lnSpc>
+                        <a:spcBef>
+                          <a:spcPts val="0"/>
+                        </a:spcBef>
+                        <a:spcAft>
+                          <a:spcPts val="0"/>
+                        </a:spcAft>
+                        <a:buClrTx/>
+                        <a:buSzTx/>
+                        <a:buFontTx/>
+                        <a:buNone/>
+                        <a:tabLst/>
+                        <a:defRPr/>
+                      </a:pPr>
+                      <a:r>
+                        <a:rPr kumimoji="1" lang="en-US" altLang="ja-JP" dirty="0"/>
+                        <a:t>True</a:t>
+                      </a:r>
+                      <a:r>
+                        <a:rPr kumimoji="1" lang="ja-JP" altLang="en-US" dirty="0"/>
+                        <a:t>にすると一度だけ実行時の終了時にメッセージがでます。</a:t>
+                      </a:r>
+                    </a:p>
+                  </a:txBody>
+                  <a:tcPr/>
+                </a:tc>
+                <a:extLst>
+                  <a:ext uri="{0D108BD9-81ED-4DB2-BD59-A6C34878D82A}">
+                    <a16:rowId xmlns:a16="http://schemas.microsoft.com/office/drawing/2014/main" val="1719986139"/>
+                  </a:ext>
+                </a:extLst>
+              </a:tr>
+            </a:tbl>
+          </a:graphicData>
+        </a:graphic>
+      </p:graphicFrame>
     </p:spTree>
     <p:extLst>
       <p:ext uri="{BB962C8B-B14F-4D97-AF65-F5344CB8AC3E}">
-        <p14:creationId xmlns:p14="http://schemas.microsoft.com/office/powerpoint/2010/main" val="755585380"/>
+        <p14:creationId xmlns:p14="http://schemas.microsoft.com/office/powerpoint/2010/main" val="2617558821"/>
       </p:ext>
     </p:extLst>
   </p:cSld>
@@ -5770,6 +6172,494 @@
 </file>
 
 <file path=ppt/slides/slide12.xml><?xml version="1.0" encoding="utf-8"?>
+<p:sld xmlns:a="http://schemas.openxmlformats.org/drawingml/2006/main" xmlns:r="http://schemas.openxmlformats.org/officeDocument/2006/relationships" xmlns:p="http://schemas.openxmlformats.org/presentationml/2006/main">
+  <p:cSld>
+    <p:spTree>
+      <p:nvGrpSpPr>
+        <p:cNvPr id="1" name="">
+          <a:extLst>
+            <a:ext uri="{FF2B5EF4-FFF2-40B4-BE49-F238E27FC236}">
+              <a16:creationId xmlns:a16="http://schemas.microsoft.com/office/drawing/2014/main" id="{4837C560-AC0E-D6DC-321A-5A6C997CAC0C}"/>
+            </a:ext>
+          </a:extLst>
+        </p:cNvPr>
+        <p:cNvGrpSpPr/>
+        <p:nvPr/>
+      </p:nvGrpSpPr>
+      <p:grpSpPr>
+        <a:xfrm>
+          <a:off x="0" y="0"/>
+          <a:ext cx="0" cy="0"/>
+          <a:chOff x="0" y="0"/>
+          <a:chExt cx="0" cy="0"/>
+        </a:xfrm>
+      </p:grpSpPr>
+      <p:sp>
+        <p:nvSpPr>
+          <p:cNvPr id="2" name="タイトル 1">
+            <a:extLst>
+              <a:ext uri="{FF2B5EF4-FFF2-40B4-BE49-F238E27FC236}">
+                <a16:creationId xmlns:a16="http://schemas.microsoft.com/office/drawing/2014/main" id="{A2D96BBD-03AE-0796-88E3-9233DA29901F}"/>
+              </a:ext>
+            </a:extLst>
+          </p:cNvPr>
+          <p:cNvSpPr>
+            <a:spLocks noGrp="1"/>
+          </p:cNvSpPr>
+          <p:nvPr>
+            <p:ph type="title"/>
+          </p:nvPr>
+        </p:nvSpPr>
+        <p:spPr/>
+        <p:txBody>
+          <a:bodyPr>
+            <a:normAutofit/>
+          </a:bodyPr>
+          <a:lstStyle/>
+          <a:p>
+            <a:r>
+              <a:rPr lang="ja-JP" altLang="en-US" dirty="0">
+                <a:latin typeface="Calibri" panose="020F0502020204030204" pitchFamily="34" charset="0"/>
+                <a:cs typeface="游ゴシック" panose="020B0400000000000000" pitchFamily="50" charset="-128"/>
+              </a:rPr>
+              <a:t>「定期自動実行」で連続実行</a:t>
+            </a:r>
+            <a:endParaRPr kumimoji="1" lang="ja-JP" altLang="en-US" dirty="0"/>
+          </a:p>
+        </p:txBody>
+      </p:sp>
+      <p:sp>
+        <p:nvSpPr>
+          <p:cNvPr id="3" name="スライド番号プレースホルダー 2">
+            <a:extLst>
+              <a:ext uri="{FF2B5EF4-FFF2-40B4-BE49-F238E27FC236}">
+                <a16:creationId xmlns:a16="http://schemas.microsoft.com/office/drawing/2014/main" id="{207A0D71-1AD4-F032-9E06-55CBE4A9DDE4}"/>
+              </a:ext>
+            </a:extLst>
+          </p:cNvPr>
+          <p:cNvSpPr>
+            <a:spLocks noGrp="1"/>
+          </p:cNvSpPr>
+          <p:nvPr>
+            <p:ph type="sldNum" sz="quarter" idx="12"/>
+          </p:nvPr>
+        </p:nvSpPr>
+        <p:spPr/>
+        <p:txBody>
+          <a:bodyPr/>
+          <a:lstStyle/>
+          <a:p>
+            <a:fld id="{35EBB9C9-438D-46CB-A6F3-FA4C1409243F}" type="slidenum">
+              <a:rPr kumimoji="1" lang="ja-JP" altLang="en-US" smtClean="0"/>
+              <a:t>12</a:t>
+            </a:fld>
+            <a:endParaRPr kumimoji="1" lang="ja-JP" altLang="en-US"/>
+          </a:p>
+        </p:txBody>
+      </p:sp>
+      <p:sp>
+        <p:nvSpPr>
+          <p:cNvPr id="5" name="コンテンツ プレースホルダー 4">
+            <a:extLst>
+              <a:ext uri="{FF2B5EF4-FFF2-40B4-BE49-F238E27FC236}">
+                <a16:creationId xmlns:a16="http://schemas.microsoft.com/office/drawing/2014/main" id="{683324D8-BE51-FD30-2FC2-4DDA7C340C6E}"/>
+              </a:ext>
+            </a:extLst>
+          </p:cNvPr>
+          <p:cNvSpPr>
+            <a:spLocks noGrp="1"/>
+          </p:cNvSpPr>
+          <p:nvPr>
+            <p:ph idx="13"/>
+          </p:nvPr>
+        </p:nvSpPr>
+        <p:spPr/>
+        <p:txBody>
+          <a:bodyPr/>
+          <a:lstStyle/>
+          <a:p>
+            <a:pPr marL="0" indent="0">
+              <a:buNone/>
+            </a:pPr>
+            <a:r>
+              <a:rPr kumimoji="1" lang="ja-JP" altLang="en-US" dirty="0">
+                <a:latin typeface="Calibri" panose="020F0502020204030204" pitchFamily="34" charset="0"/>
+              </a:rPr>
+              <a:t>基本設定は次の通りです。</a:t>
+            </a:r>
+            <a:endParaRPr kumimoji="1" lang="ja-JP" altLang="en-US" dirty="0"/>
+          </a:p>
+        </p:txBody>
+      </p:sp>
+      <p:pic>
+        <p:nvPicPr>
+          <p:cNvPr id="11" name="図 10">
+            <a:extLst>
+              <a:ext uri="{FF2B5EF4-FFF2-40B4-BE49-F238E27FC236}">
+                <a16:creationId xmlns:a16="http://schemas.microsoft.com/office/drawing/2014/main" id="{E04A1E4B-DF51-B946-0021-2D257EB60D47}"/>
+              </a:ext>
+            </a:extLst>
+          </p:cNvPr>
+          <p:cNvPicPr>
+            <a:picLocks noChangeAspect="1"/>
+          </p:cNvPicPr>
+          <p:nvPr/>
+        </p:nvPicPr>
+        <p:blipFill>
+          <a:blip r:embed="rId2"/>
+          <a:srcRect l="3048" t="62409" r="18139" b="10302"/>
+          <a:stretch>
+            <a:fillRect/>
+          </a:stretch>
+        </p:blipFill>
+        <p:spPr>
+          <a:xfrm>
+            <a:off x="212037" y="1016879"/>
+            <a:ext cx="9608912" cy="1776269"/>
+          </a:xfrm>
+          <a:prstGeom prst="rect">
+            <a:avLst/>
+          </a:prstGeom>
+          <a:ln>
+            <a:solidFill>
+              <a:schemeClr val="tx1"/>
+            </a:solidFill>
+          </a:ln>
+        </p:spPr>
+      </p:pic>
+      <p:graphicFrame>
+        <p:nvGraphicFramePr>
+          <p:cNvPr id="9" name="コンテンツ プレースホルダー 7">
+            <a:extLst>
+              <a:ext uri="{FF2B5EF4-FFF2-40B4-BE49-F238E27FC236}">
+                <a16:creationId xmlns:a16="http://schemas.microsoft.com/office/drawing/2014/main" id="{3502A87C-E05F-26B7-6603-76F8A5FD9F34}"/>
+              </a:ext>
+            </a:extLst>
+          </p:cNvPr>
+          <p:cNvGraphicFramePr>
+            <a:graphicFrameLocks noGrp="1"/>
+          </p:cNvGraphicFramePr>
+          <p:nvPr>
+            <p:ph idx="1"/>
+            <p:extLst>
+              <p:ext uri="{D42A27DB-BD31-4B8C-83A1-F6EECF244321}">
+                <p14:modId xmlns:p14="http://schemas.microsoft.com/office/powerpoint/2010/main" val="2091762371"/>
+              </p:ext>
+            </p:extLst>
+          </p:nvPr>
+        </p:nvGraphicFramePr>
+        <p:xfrm>
+          <a:off x="212037" y="2922335"/>
+          <a:ext cx="11727551" cy="2936240"/>
+        </p:xfrm>
+        <a:graphic>
+          <a:graphicData uri="http://schemas.openxmlformats.org/drawingml/2006/table">
+            <a:tbl>
+              <a:tblPr firstRow="1" bandRow="1">
+                <a:tableStyleId>{5C22544A-7EE6-4342-B048-85BDC9FD1C3A}</a:tableStyleId>
+              </a:tblPr>
+              <a:tblGrid>
+                <a:gridCol w="2187177">
+                  <a:extLst>
+                    <a:ext uri="{9D8B030D-6E8A-4147-A177-3AD203B41FA5}">
+                      <a16:colId xmlns:a16="http://schemas.microsoft.com/office/drawing/2014/main" val="1059863929"/>
+                    </a:ext>
+                  </a:extLst>
+                </a:gridCol>
+                <a:gridCol w="9540374">
+                  <a:extLst>
+                    <a:ext uri="{9D8B030D-6E8A-4147-A177-3AD203B41FA5}">
+                      <a16:colId xmlns:a16="http://schemas.microsoft.com/office/drawing/2014/main" val="4002278881"/>
+                    </a:ext>
+                  </a:extLst>
+                </a:gridCol>
+              </a:tblGrid>
+              <a:tr h="289365">
+                <a:tc>
+                  <a:txBody>
+                    <a:bodyPr/>
+                    <a:lstStyle/>
+                    <a:p>
+                      <a:r>
+                        <a:rPr kumimoji="1" lang="ja-JP" altLang="en-US" dirty="0"/>
+                        <a:t>名称</a:t>
+                      </a:r>
+                    </a:p>
+                  </a:txBody>
+                  <a:tcPr/>
+                </a:tc>
+                <a:tc>
+                  <a:txBody>
+                    <a:bodyPr/>
+                    <a:lstStyle/>
+                    <a:p>
+                      <a:r>
+                        <a:rPr kumimoji="1" lang="ja-JP" altLang="en-US" dirty="0"/>
+                        <a:t>意味</a:t>
+                      </a:r>
+                    </a:p>
+                  </a:txBody>
+                  <a:tcPr/>
+                </a:tc>
+                <a:extLst>
+                  <a:ext uri="{0D108BD9-81ED-4DB2-BD59-A6C34878D82A}">
+                    <a16:rowId xmlns:a16="http://schemas.microsoft.com/office/drawing/2014/main" val="2272573206"/>
+                  </a:ext>
+                </a:extLst>
+              </a:tr>
+              <a:tr h="370840">
+                <a:tc>
+                  <a:txBody>
+                    <a:bodyPr/>
+                    <a:lstStyle/>
+                    <a:p>
+                      <a:r>
+                        <a:rPr kumimoji="1" lang="ja-JP" altLang="en-US" dirty="0"/>
+                        <a:t>種別の記載</a:t>
+                      </a:r>
+                    </a:p>
+                  </a:txBody>
+                  <a:tcPr/>
+                </a:tc>
+                <a:tc>
+                  <a:txBody>
+                    <a:bodyPr/>
+                    <a:lstStyle/>
+                    <a:p>
+                      <a:r>
+                        <a:rPr kumimoji="1" lang="ja-JP" altLang="en-US" dirty="0"/>
+                        <a:t>実施する処理の内容です。</a:t>
+                      </a:r>
+                      <a:endParaRPr kumimoji="1" lang="en-US" altLang="ja-JP" dirty="0"/>
+                    </a:p>
+                    <a:p>
+                      <a:r>
+                        <a:rPr kumimoji="1" lang="en-US" altLang="ja-JP" dirty="0"/>
+                        <a:t>Worksheet</a:t>
+                      </a:r>
+                      <a:r>
+                        <a:rPr kumimoji="1" lang="ja-JP" altLang="en-US" dirty="0"/>
+                        <a:t>のとき、自分のワークシート上を対象とします。</a:t>
+                      </a:r>
+                      <a:endParaRPr kumimoji="1" lang="en-US" altLang="ja-JP" dirty="0"/>
+                    </a:p>
+                    <a:p>
+                      <a:r>
+                        <a:rPr kumimoji="1" lang="en-US" altLang="ja-JP" dirty="0"/>
+                        <a:t>Workbook</a:t>
+                      </a:r>
+                      <a:r>
+                        <a:rPr kumimoji="1" lang="ja-JP" altLang="en-US" dirty="0"/>
+                        <a:t>のとき、自分以外のワークブックを開いて対象とします。</a:t>
+                      </a:r>
+                      <a:endParaRPr kumimoji="1" lang="en-US" altLang="ja-JP" dirty="0"/>
+                    </a:p>
+                    <a:p>
+                      <a:r>
+                        <a:rPr kumimoji="1" lang="en-US" altLang="ja-JP" dirty="0"/>
+                        <a:t>Command</a:t>
+                      </a:r>
+                      <a:r>
+                        <a:rPr kumimoji="1" lang="ja-JP" altLang="en-US" dirty="0"/>
+                        <a:t>のとき、シェルスクリプトを実行します。</a:t>
+                      </a:r>
+                      <a:endParaRPr kumimoji="1" lang="en-US" altLang="ja-JP" dirty="0"/>
+                    </a:p>
+                  </a:txBody>
+                  <a:tcPr/>
+                </a:tc>
+                <a:extLst>
+                  <a:ext uri="{0D108BD9-81ED-4DB2-BD59-A6C34878D82A}">
+                    <a16:rowId xmlns:a16="http://schemas.microsoft.com/office/drawing/2014/main" val="3055385170"/>
+                  </a:ext>
+                </a:extLst>
+              </a:tr>
+              <a:tr h="370840">
+                <a:tc>
+                  <a:txBody>
+                    <a:bodyPr/>
+                    <a:lstStyle/>
+                    <a:p>
+                      <a:r>
+                        <a:rPr kumimoji="1" lang="ja-JP" altLang="en-US" dirty="0"/>
+                        <a:t>コマンド</a:t>
+                      </a:r>
+                      <a:r>
+                        <a:rPr kumimoji="1" lang="en-US" altLang="ja-JP" dirty="0"/>
+                        <a:t>/Excel</a:t>
+                      </a:r>
+                      <a:r>
+                        <a:rPr kumimoji="1" lang="ja-JP" altLang="en-US" dirty="0"/>
+                        <a:t>ファイル</a:t>
+                      </a:r>
+                      <a:endParaRPr kumimoji="1" lang="en-US" altLang="ja-JP" dirty="0"/>
+                    </a:p>
+                  </a:txBody>
+                  <a:tcPr/>
+                </a:tc>
+                <a:tc>
+                  <a:txBody>
+                    <a:bodyPr/>
+                    <a:lstStyle/>
+                    <a:p>
+                      <a:pPr marL="0" marR="0" lvl="0" indent="0" algn="l" defTabSz="914400" rtl="0" eaLnBrk="1" fontAlgn="auto" latinLnBrk="0" hangingPunct="1">
+                        <a:lnSpc>
+                          <a:spcPct val="100000"/>
+                        </a:lnSpc>
+                        <a:spcBef>
+                          <a:spcPts val="0"/>
+                        </a:spcBef>
+                        <a:spcAft>
+                          <a:spcPts val="0"/>
+                        </a:spcAft>
+                        <a:buClrTx/>
+                        <a:buSzTx/>
+                        <a:buFontTx/>
+                        <a:buNone/>
+                        <a:tabLst/>
+                        <a:defRPr/>
+                      </a:pPr>
+                      <a:r>
+                        <a:rPr kumimoji="1" lang="en-US" altLang="ja-JP" dirty="0"/>
+                        <a:t>Workbook</a:t>
+                      </a:r>
+                      <a:r>
+                        <a:rPr kumimoji="1" lang="ja-JP" altLang="en-US" dirty="0"/>
+                        <a:t>のとき、自分以外のワークシートのファイル名を指定します。</a:t>
+                      </a:r>
+                      <a:endParaRPr kumimoji="1" lang="en-US" altLang="ja-JP" dirty="0"/>
+                    </a:p>
+                    <a:p>
+                      <a:pPr marL="0" marR="0" lvl="0" indent="0" algn="l" defTabSz="914400" rtl="0" eaLnBrk="1" fontAlgn="auto" latinLnBrk="0" hangingPunct="1">
+                        <a:lnSpc>
+                          <a:spcPct val="100000"/>
+                        </a:lnSpc>
+                        <a:spcBef>
+                          <a:spcPts val="0"/>
+                        </a:spcBef>
+                        <a:spcAft>
+                          <a:spcPts val="0"/>
+                        </a:spcAft>
+                        <a:buClrTx/>
+                        <a:buSzTx/>
+                        <a:buFontTx/>
+                        <a:buNone/>
+                        <a:tabLst/>
+                        <a:defRPr/>
+                      </a:pPr>
+                      <a:r>
+                        <a:rPr kumimoji="1" lang="en-US" altLang="ja-JP" dirty="0"/>
+                        <a:t>Command</a:t>
+                      </a:r>
+                      <a:r>
+                        <a:rPr kumimoji="1" lang="ja-JP" altLang="en-US" dirty="0"/>
+                        <a:t>のとき、実行するシェルスクリプトを記載します。</a:t>
+                      </a:r>
+                      <a:endParaRPr kumimoji="1" lang="en-US" altLang="ja-JP" dirty="0"/>
+                    </a:p>
+                  </a:txBody>
+                  <a:tcPr/>
+                </a:tc>
+                <a:extLst>
+                  <a:ext uri="{0D108BD9-81ED-4DB2-BD59-A6C34878D82A}">
+                    <a16:rowId xmlns:a16="http://schemas.microsoft.com/office/drawing/2014/main" val="1143375728"/>
+                  </a:ext>
+                </a:extLst>
+              </a:tr>
+              <a:tr h="370840">
+                <a:tc>
+                  <a:txBody>
+                    <a:bodyPr/>
+                    <a:lstStyle/>
+                    <a:p>
+                      <a:r>
+                        <a:rPr kumimoji="1" lang="ja-JP" altLang="en-US" dirty="0"/>
+                        <a:t>実施する</a:t>
+                      </a:r>
+                      <a:r>
+                        <a:rPr kumimoji="1" lang="en-US" altLang="ja-JP" dirty="0"/>
+                        <a:t>Sheet</a:t>
+                      </a:r>
+                    </a:p>
+                  </a:txBody>
+                  <a:tcPr/>
+                </a:tc>
+                <a:tc>
+                  <a:txBody>
+                    <a:bodyPr/>
+                    <a:lstStyle/>
+                    <a:p>
+                      <a:r>
+                        <a:rPr kumimoji="1" lang="ja-JP" altLang="en-US" dirty="0"/>
+                        <a:t>対象ワークブックの指定されたワークシートを対象とします。</a:t>
+                      </a:r>
+                      <a:endParaRPr kumimoji="1" lang="en-US" altLang="ja-JP" dirty="0"/>
+                    </a:p>
+                  </a:txBody>
+                  <a:tcPr/>
+                </a:tc>
+                <a:extLst>
+                  <a:ext uri="{0D108BD9-81ED-4DB2-BD59-A6C34878D82A}">
+                    <a16:rowId xmlns:a16="http://schemas.microsoft.com/office/drawing/2014/main" val="1251889547"/>
+                  </a:ext>
+                </a:extLst>
+              </a:tr>
+              <a:tr h="370840">
+                <a:tc>
+                  <a:txBody>
+                    <a:bodyPr/>
+                    <a:lstStyle/>
+                    <a:p>
+                      <a:r>
+                        <a:rPr kumimoji="1" lang="ja-JP" altLang="en-US" dirty="0"/>
+                        <a:t>実施する</a:t>
+                      </a:r>
+                      <a:r>
+                        <a:rPr kumimoji="1" lang="en-US" altLang="ja-JP" dirty="0"/>
+                        <a:t>Macro</a:t>
+                      </a:r>
+                    </a:p>
+                  </a:txBody>
+                  <a:tcPr/>
+                </a:tc>
+                <a:tc>
+                  <a:txBody>
+                    <a:bodyPr/>
+                    <a:lstStyle/>
+                    <a:p>
+                      <a:r>
+                        <a:rPr kumimoji="1" lang="ja-JP" altLang="en-US" dirty="0"/>
+                        <a:t>対象ワークシートのマクロを起動します。</a:t>
+                      </a:r>
+                      <a:endParaRPr kumimoji="1" lang="en-US" altLang="ja-JP" dirty="0"/>
+                    </a:p>
+                  </a:txBody>
+                  <a:tcPr/>
+                </a:tc>
+                <a:extLst>
+                  <a:ext uri="{0D108BD9-81ED-4DB2-BD59-A6C34878D82A}">
+                    <a16:rowId xmlns:a16="http://schemas.microsoft.com/office/drawing/2014/main" val="1695977120"/>
+                  </a:ext>
+                </a:extLst>
+              </a:tr>
+            </a:tbl>
+          </a:graphicData>
+        </a:graphic>
+      </p:graphicFrame>
+    </p:spTree>
+    <p:extLst>
+      <p:ext uri="{BB962C8B-B14F-4D97-AF65-F5344CB8AC3E}">
+        <p14:creationId xmlns:p14="http://schemas.microsoft.com/office/powerpoint/2010/main" val="2265217013"/>
+      </p:ext>
+    </p:extLst>
+  </p:cSld>
+  <p:clrMapOvr>
+    <a:masterClrMapping/>
+  </p:clrMapOvr>
+</p:sld>
+</file>
+
+<file path=ppt/slides/slide13.xml><?xml version="1.0" encoding="utf-8"?>
 <p:sld xmlns:a="http://schemas.openxmlformats.org/drawingml/2006/main" xmlns:r="http://schemas.openxmlformats.org/officeDocument/2006/relationships" xmlns:p="http://schemas.openxmlformats.org/presentationml/2006/main">
   <p:cSld>
     <p:spTree>
@@ -5869,7 +6759,7 @@
           <a:p>
             <a:fld id="{35EBB9C9-438D-46CB-A6F3-FA4C1409243F}" type="slidenum">
               <a:rPr kumimoji="1" lang="ja-JP" altLang="en-US" smtClean="0"/>
-              <a:t>12</a:t>
+              <a:t>13</a:t>
             </a:fld>
             <a:endParaRPr kumimoji="1" lang="ja-JP" altLang="en-US"/>
           </a:p>
@@ -7187,7 +8077,7 @@
                 <a:latin typeface="Calibri" panose="020F0502020204030204" pitchFamily="34" charset="0"/>
                 <a:cs typeface="游ゴシック" panose="020B0400000000000000" pitchFamily="50" charset="-128"/>
               </a:rPr>
-              <a:t>「繰り返しボタン押しツール」上に増やしたシート名を並べる</a:t>
+              <a:t>「定期自動実行」で連続実行</a:t>
             </a:r>
             <a:endParaRPr lang="en-US" altLang="ja-JP" sz="2400" dirty="0">
               <a:latin typeface="Calibri" panose="020F0502020204030204" pitchFamily="34" charset="0"/>
@@ -7195,23 +8085,6 @@
             </a:endParaRPr>
           </a:p>
           <a:p>
-            <a:pPr marL="377190" indent="-285750">
-              <a:buFont typeface="Wingdings" panose="05000000000000000000" pitchFamily="2" charset="2"/>
-              <a:buChar char="l"/>
-            </a:pPr>
-            <a:r>
-              <a:rPr lang="ja-JP" altLang="en-US" sz="2400" dirty="0">
-                <a:latin typeface="Calibri" panose="020F0502020204030204" pitchFamily="34" charset="0"/>
-                <a:cs typeface="游ゴシック" panose="020B0400000000000000" pitchFamily="50" charset="-128"/>
-              </a:rPr>
-              <a:t>ボタンを押す</a:t>
-            </a:r>
-            <a:endParaRPr lang="en-US" altLang="ja-JP" sz="2400" dirty="0">
-              <a:latin typeface="Calibri" panose="020F0502020204030204" pitchFamily="34" charset="0"/>
-              <a:cs typeface="游ゴシック" panose="020B0400000000000000" pitchFamily="50" charset="-128"/>
-            </a:endParaRPr>
-          </a:p>
-          <a:p>
             <a:pPr indent="0">
               <a:buNone/>
             </a:pPr>
@@ -7220,8 +8093,17 @@
                 <a:latin typeface="Calibri" panose="020F0502020204030204" pitchFamily="34" charset="0"/>
                 <a:cs typeface="游ゴシック" panose="020B0400000000000000" pitchFamily="50" charset="-128"/>
               </a:rPr>
-              <a:t>動作により、複数のシートに対してまとめて処理を行うこともできます。</a:t>
-            </a:r>
+              <a:t>ができます。</a:t>
+            </a:r>
+            <a:endParaRPr lang="en-US" altLang="ja-JP" sz="1600" dirty="0">
+              <a:latin typeface="Calibri" panose="020F0502020204030204" pitchFamily="34" charset="0"/>
+              <a:cs typeface="游ゴシック" panose="020B0400000000000000" pitchFamily="50" charset="-128"/>
+            </a:endParaRPr>
+          </a:p>
+          <a:p>
+            <a:pPr indent="0">
+              <a:buNone/>
+            </a:pPr>
             <a:endParaRPr lang="en-US" altLang="ja-JP" sz="1600" dirty="0">
               <a:latin typeface="Calibri" panose="020F0502020204030204" pitchFamily="34" charset="0"/>
               <a:cs typeface="游ゴシック" panose="020B0400000000000000" pitchFamily="50" charset="-128"/>

--- a/doc/readme.pptx
+++ b/doc/readme.pptx
@@ -209,7 +209,7 @@
           <a:p>
             <a:fld id="{F5E5C635-D469-4B82-83D7-B05DB03091FC}" type="datetimeFigureOut">
               <a:rPr kumimoji="1" lang="ja-JP" altLang="en-US" smtClean="0"/>
-              <a:t>2025/7/6</a:t>
+              <a:t>2025/7/7</a:t>
             </a:fld>
             <a:endParaRPr kumimoji="1" lang="ja-JP" altLang="en-US"/>
           </a:p>
@@ -829,7 +829,7 @@
           <a:p>
             <a:fld id="{6248D7C2-B13B-46CD-8C2F-DECFAC959968}" type="datetime1">
               <a:rPr kumimoji="1" lang="ja-JP" altLang="en-US" smtClean="0"/>
-              <a:t>2025/7/6</a:t>
+              <a:t>2025/7/7</a:t>
             </a:fld>
             <a:endParaRPr kumimoji="1" lang="ja-JP" altLang="en-US" dirty="0"/>
           </a:p>
@@ -1277,7 +1277,7 @@
           <a:p>
             <a:fld id="{3A575AA6-9EA0-4100-ADF9-807F26079BC0}" type="datetime1">
               <a:rPr kumimoji="1" lang="ja-JP" altLang="en-US" smtClean="0"/>
-              <a:t>2025/7/6</a:t>
+              <a:t>2025/7/7</a:t>
             </a:fld>
             <a:endParaRPr kumimoji="1" lang="ja-JP" altLang="en-US"/>
           </a:p>
@@ -1568,7 +1568,7 @@
           <a:p>
             <a:fld id="{EC2FBCBF-ED8E-4C1D-A4FC-826AB1AF2E99}" type="datetime1">
               <a:rPr kumimoji="1" lang="ja-JP" altLang="en-US" smtClean="0"/>
-              <a:t>2025/7/6</a:t>
+              <a:t>2025/7/7</a:t>
             </a:fld>
             <a:endParaRPr kumimoji="1" lang="ja-JP" altLang="en-US"/>
           </a:p>
@@ -1798,7 +1798,7 @@
           <a:p>
             <a:fld id="{28A59544-6540-4676-A1C3-47EA9BB2F1A8}" type="datetime1">
               <a:rPr kumimoji="1" lang="ja-JP" altLang="en-US" smtClean="0"/>
-              <a:t>2025/7/6</a:t>
+              <a:t>2025/7/7</a:t>
             </a:fld>
             <a:endParaRPr kumimoji="1" lang="ja-JP" altLang="en-US"/>
           </a:p>
@@ -2140,7 +2140,7 @@
           <a:p>
             <a:fld id="{F1C1DA00-1117-489E-B72D-C89F5CED04F1}" type="datetime1">
               <a:rPr kumimoji="1" lang="ja-JP" altLang="en-US" smtClean="0"/>
-              <a:t>2025/7/6</a:t>
+              <a:t>2025/7/7</a:t>
             </a:fld>
             <a:endParaRPr kumimoji="1" lang="ja-JP" altLang="en-US"/>
           </a:p>
@@ -3018,7 +3018,7 @@
           <a:p>
             <a:fld id="{503E5440-18AA-44F3-A469-E992A6371A5F}" type="datetime1">
               <a:rPr kumimoji="1" lang="ja-JP" altLang="en-US" smtClean="0"/>
-              <a:t>2025/7/6</a:t>
+              <a:t>2025/7/7</a:t>
             </a:fld>
             <a:endParaRPr kumimoji="1" lang="ja-JP" altLang="en-US"/>
           </a:p>
@@ -4313,7 +4313,7 @@
           <a:p>
             <a:fld id="{715834BA-7504-448D-825E-28566BD883C4}" type="datetime1">
               <a:rPr kumimoji="1" lang="ja-JP" altLang="en-US" smtClean="0"/>
-              <a:t>2025/7/6</a:t>
+              <a:t>2025/7/7</a:t>
             </a:fld>
             <a:endParaRPr kumimoji="1" lang="ja-JP" altLang="en-US" dirty="0"/>
           </a:p>
@@ -6343,14 +6343,14 @@
             <p:ph idx="1"/>
             <p:extLst>
               <p:ext uri="{D42A27DB-BD31-4B8C-83A1-F6EECF244321}">
-                <p14:modId xmlns:p14="http://schemas.microsoft.com/office/powerpoint/2010/main" val="2091762371"/>
+                <p14:modId xmlns:p14="http://schemas.microsoft.com/office/powerpoint/2010/main" val="3352815644"/>
               </p:ext>
             </p:extLst>
           </p:nvPr>
         </p:nvGraphicFramePr>
         <p:xfrm>
           <a:off x="212037" y="2922335"/>
-          <a:ext cx="11727551" cy="2936240"/>
+          <a:ext cx="11727551" cy="3759200"/>
         </p:xfrm>
         <a:graphic>
           <a:graphicData uri="http://schemas.openxmlformats.org/drawingml/2006/table">
@@ -6554,6 +6554,94 @@
                       <a:r>
                         <a:rPr kumimoji="1" lang="ja-JP" altLang="en-US" dirty="0"/>
                         <a:t>のとき、実行するシェルスクリプトを記載します。</a:t>
+                      </a:r>
+                      <a:endParaRPr kumimoji="1" lang="en-US" altLang="ja-JP" dirty="0"/>
+                    </a:p>
+                    <a:p>
+                      <a:pPr marL="0" marR="0" lvl="0" indent="0" algn="l" defTabSz="914400" rtl="0" eaLnBrk="1" fontAlgn="auto" latinLnBrk="0" hangingPunct="1">
+                        <a:lnSpc>
+                          <a:spcPct val="100000"/>
+                        </a:lnSpc>
+                        <a:spcBef>
+                          <a:spcPts val="0"/>
+                        </a:spcBef>
+                        <a:spcAft>
+                          <a:spcPts val="0"/>
+                        </a:spcAft>
+                        <a:buClrTx/>
+                        <a:buSzTx/>
+                        <a:buFontTx/>
+                        <a:buNone/>
+                        <a:tabLst/>
+                        <a:defRPr/>
+                      </a:pPr>
+                      <a:r>
+                        <a:rPr kumimoji="1" lang="ja-JP" altLang="en-US" dirty="0"/>
+                        <a:t>    →コマンド実行のときは、順番にプロセス起動するので、</a:t>
+                      </a:r>
+                      <a:endParaRPr kumimoji="1" lang="en-US" altLang="ja-JP" dirty="0"/>
+                    </a:p>
+                    <a:p>
+                      <a:pPr marL="0" marR="0" lvl="0" indent="0" algn="l" defTabSz="914400" rtl="0" eaLnBrk="1" fontAlgn="auto" latinLnBrk="0" hangingPunct="1">
+                        <a:lnSpc>
+                          <a:spcPct val="100000"/>
+                        </a:lnSpc>
+                        <a:spcBef>
+                          <a:spcPts val="0"/>
+                        </a:spcBef>
+                        <a:spcAft>
+                          <a:spcPts val="0"/>
+                        </a:spcAft>
+                        <a:buClrTx/>
+                        <a:buSzTx/>
+                        <a:buFontTx/>
+                        <a:buNone/>
+                        <a:tabLst/>
+                        <a:defRPr/>
+                      </a:pPr>
+                      <a:r>
+                        <a:rPr kumimoji="1" lang="ja-JP" altLang="en-US" dirty="0"/>
+                        <a:t>        </a:t>
+                      </a:r>
+                      <a:r>
+                        <a:rPr kumimoji="1" lang="en-US" altLang="ja-JP" dirty="0"/>
+                        <a:t>git add, git commit, git push</a:t>
+                      </a:r>
+                      <a:r>
+                        <a:rPr kumimoji="1" lang="ja-JP" altLang="en-US" dirty="0"/>
+                        <a:t>と並べると順番が前後する場合があります。</a:t>
+                      </a:r>
+                      <a:endParaRPr kumimoji="1" lang="en-US" altLang="ja-JP" dirty="0"/>
+                    </a:p>
+                    <a:p>
+                      <a:pPr marL="0" marR="0" lvl="0" indent="0" algn="l" defTabSz="914400" rtl="0" eaLnBrk="1" fontAlgn="auto" latinLnBrk="0" hangingPunct="1">
+                        <a:lnSpc>
+                          <a:spcPct val="100000"/>
+                        </a:lnSpc>
+                        <a:spcBef>
+                          <a:spcPts val="0"/>
+                        </a:spcBef>
+                        <a:spcAft>
+                          <a:spcPts val="0"/>
+                        </a:spcAft>
+                        <a:buClrTx/>
+                        <a:buSzTx/>
+                        <a:buFontTx/>
+                        <a:buNone/>
+                        <a:tabLst/>
+                        <a:defRPr/>
+                      </a:pPr>
+                      <a:r>
+                        <a:rPr kumimoji="1" lang="ja-JP" altLang="en-US" dirty="0"/>
+                        <a:t>        </a:t>
+                      </a:r>
+                      <a:r>
+                        <a:rPr kumimoji="1" lang="en-US" altLang="ja-JP" dirty="0"/>
+                        <a:t>bat</a:t>
+                      </a:r>
+                      <a:r>
+                        <a:rPr kumimoji="1" lang="ja-JP" altLang="en-US"/>
+                        <a:t>ファイルを作って直列に走らせたほうが安全です。</a:t>
                       </a:r>
                       <a:endParaRPr kumimoji="1" lang="en-US" altLang="ja-JP" dirty="0"/>
                     </a:p>
